--- a/UML.pptx
+++ b/UML.pptx
@@ -5,7 +5,7 @@
     <p:sldMasterId id="2147483648" r:id="rId1"/>
   </p:sldMasterIdLst>
   <p:notesMasterIdLst>
-    <p:notesMasterId r:id="rId45"/>
+    <p:notesMasterId r:id="rId46"/>
   </p:notesMasterIdLst>
   <p:sldIdLst>
     <p:sldId id="256" r:id="rId2"/>
@@ -50,7 +50,8 @@
     <p:sldId id="304" r:id="rId41"/>
     <p:sldId id="305" r:id="rId42"/>
     <p:sldId id="306" r:id="rId43"/>
-    <p:sldId id="301" r:id="rId44"/>
+    <p:sldId id="307" r:id="rId44"/>
+    <p:sldId id="301" r:id="rId45"/>
   </p:sldIdLst>
   <p:sldSz cx="12192000" cy="6858000"/>
   <p:notesSz cx="6858000" cy="9144000"/>
@@ -239,7 +240,7 @@
           <a:p>
             <a:fld id="{DBDC1E72-D3D3-4826-B966-BFFA7D5EE2FA}" type="datetimeFigureOut">
               <a:rPr lang="en-US" smtClean="0"/>
-              <a:t>11/17/2024</a:t>
+              <a:t>11/18/2024</a:t>
             </a:fld>
             <a:endParaRPr lang="en-US"/>
           </a:p>
@@ -506,6 +507,90 @@
 </p:notesMaster>
 </file>
 
+<file path=ppt/notesSlides/notesSlide1.xml><?xml version="1.0" encoding="utf-8"?>
+<p:notes xmlns:a="http://schemas.openxmlformats.org/drawingml/2006/main" xmlns:r="http://schemas.openxmlformats.org/officeDocument/2006/relationships" xmlns:p="http://schemas.openxmlformats.org/presentationml/2006/main">
+  <p:cSld>
+    <p:spTree>
+      <p:nvGrpSpPr>
+        <p:cNvPr id="1" name=""/>
+        <p:cNvGrpSpPr/>
+        <p:nvPr/>
+      </p:nvGrpSpPr>
+      <p:grpSpPr>
+        <a:xfrm>
+          <a:off x="0" y="0"/>
+          <a:ext cx="0" cy="0"/>
+          <a:chOff x="0" y="0"/>
+          <a:chExt cx="0" cy="0"/>
+        </a:xfrm>
+      </p:grpSpPr>
+      <p:sp>
+        <p:nvSpPr>
+          <p:cNvPr id="2" name="Slide Image Placeholder 1"/>
+          <p:cNvSpPr>
+            <a:spLocks noGrp="1" noRot="1" noChangeAspect="1"/>
+          </p:cNvSpPr>
+          <p:nvPr>
+            <p:ph type="sldImg"/>
+          </p:nvPr>
+        </p:nvSpPr>
+        <p:spPr/>
+      </p:sp>
+      <p:sp>
+        <p:nvSpPr>
+          <p:cNvPr id="3" name="Notes Placeholder 2"/>
+          <p:cNvSpPr>
+            <a:spLocks noGrp="1"/>
+          </p:cNvSpPr>
+          <p:nvPr>
+            <p:ph type="body" idx="1"/>
+          </p:nvPr>
+        </p:nvSpPr>
+        <p:spPr/>
+        <p:txBody>
+          <a:bodyPr/>
+          <a:lstStyle/>
+          <a:p>
+            <a:endParaRPr lang="en-US" dirty="0"/>
+          </a:p>
+        </p:txBody>
+      </p:sp>
+      <p:sp>
+        <p:nvSpPr>
+          <p:cNvPr id="4" name="Slide Number Placeholder 3"/>
+          <p:cNvSpPr>
+            <a:spLocks noGrp="1"/>
+          </p:cNvSpPr>
+          <p:nvPr>
+            <p:ph type="sldNum" sz="quarter" idx="5"/>
+          </p:nvPr>
+        </p:nvSpPr>
+        <p:spPr/>
+        <p:txBody>
+          <a:bodyPr/>
+          <a:lstStyle/>
+          <a:p>
+            <a:fld id="{1E6969B1-5D9B-4395-ADC4-25830F244FF4}" type="slidenum">
+              <a:rPr lang="en-US" smtClean="0"/>
+              <a:t>43</a:t>
+            </a:fld>
+            <a:endParaRPr lang="en-US"/>
+          </a:p>
+        </p:txBody>
+      </p:sp>
+    </p:spTree>
+    <p:extLst>
+      <p:ext uri="{BB962C8B-B14F-4D97-AF65-F5344CB8AC3E}">
+        <p14:creationId xmlns:p14="http://schemas.microsoft.com/office/powerpoint/2010/main" val="38657163"/>
+      </p:ext>
+    </p:extLst>
+  </p:cSld>
+  <p:clrMapOvr>
+    <a:masterClrMapping/>
+  </p:clrMapOvr>
+</p:notes>
+</file>
+
 <file path=ppt/slideLayouts/slideLayout1.xml><?xml version="1.0" encoding="utf-8"?>
 <p:sldLayout xmlns:a="http://schemas.openxmlformats.org/drawingml/2006/main" xmlns:r="http://schemas.openxmlformats.org/officeDocument/2006/relationships" xmlns:p="http://schemas.openxmlformats.org/presentationml/2006/main" type="title" preserve="1">
   <p:cSld name="Title Slide">
@@ -653,7 +738,7 @@
           <a:p>
             <a:fld id="{C8313D8A-1756-4D7D-998F-0179609A7346}" type="datetime1">
               <a:rPr lang="en-US" smtClean="0"/>
-              <a:t>11/17/2024</a:t>
+              <a:t>11/18/2024</a:t>
             </a:fld>
             <a:endParaRPr lang="en-US"/>
           </a:p>
@@ -851,7 +936,7 @@
           <a:p>
             <a:fld id="{4132A4A4-DA25-4B69-AD09-52F713177EB5}" type="datetime1">
               <a:rPr lang="en-US" smtClean="0"/>
-              <a:t>11/17/2024</a:t>
+              <a:t>11/18/2024</a:t>
             </a:fld>
             <a:endParaRPr lang="en-US"/>
           </a:p>
@@ -1059,7 +1144,7 @@
           <a:p>
             <a:fld id="{44D22A32-9CFF-4757-A277-9E7A453824C7}" type="datetime1">
               <a:rPr lang="en-US" smtClean="0"/>
-              <a:t>11/17/2024</a:t>
+              <a:t>11/18/2024</a:t>
             </a:fld>
             <a:endParaRPr lang="en-US"/>
           </a:p>
@@ -1257,7 +1342,7 @@
           <a:p>
             <a:fld id="{F7652272-E969-4A26-AF9C-D073012033D6}" type="datetime1">
               <a:rPr lang="en-US" smtClean="0"/>
-              <a:t>11/17/2024</a:t>
+              <a:t>11/18/2024</a:t>
             </a:fld>
             <a:endParaRPr lang="en-US"/>
           </a:p>
@@ -1532,7 +1617,7 @@
           <a:p>
             <a:fld id="{303AA14F-A209-460C-B536-37A41A5543D8}" type="datetime1">
               <a:rPr lang="en-US" smtClean="0"/>
-              <a:t>11/17/2024</a:t>
+              <a:t>11/18/2024</a:t>
             </a:fld>
             <a:endParaRPr lang="en-US"/>
           </a:p>
@@ -1797,7 +1882,7 @@
           <a:p>
             <a:fld id="{A2DAD4F3-F4E4-4125-810B-967F5D666C9E}" type="datetime1">
               <a:rPr lang="en-US" smtClean="0"/>
-              <a:t>11/17/2024</a:t>
+              <a:t>11/18/2024</a:t>
             </a:fld>
             <a:endParaRPr lang="en-US"/>
           </a:p>
@@ -2209,7 +2294,7 @@
           <a:p>
             <a:fld id="{20811F03-D9F3-4381-A6B8-2E471240D808}" type="datetime1">
               <a:rPr lang="en-US" smtClean="0"/>
-              <a:t>11/17/2024</a:t>
+              <a:t>11/18/2024</a:t>
             </a:fld>
             <a:endParaRPr lang="en-US"/>
           </a:p>
@@ -2350,7 +2435,7 @@
           <a:p>
             <a:fld id="{8F31CA7F-B5C2-4DFB-9163-963417099877}" type="datetime1">
               <a:rPr lang="en-US" smtClean="0"/>
-              <a:t>11/17/2024</a:t>
+              <a:t>11/18/2024</a:t>
             </a:fld>
             <a:endParaRPr lang="en-US"/>
           </a:p>
@@ -2463,7 +2548,7 @@
           <a:p>
             <a:fld id="{DBE8E750-2A43-4D62-ACBD-741A4494AB41}" type="datetime1">
               <a:rPr lang="en-US" smtClean="0"/>
-              <a:t>11/17/2024</a:t>
+              <a:t>11/18/2024</a:t>
             </a:fld>
             <a:endParaRPr lang="en-US"/>
           </a:p>
@@ -2774,7 +2859,7 @@
           <a:p>
             <a:fld id="{1BCAB514-7D05-4EB9-A459-19EF3FD64E36}" type="datetime1">
               <a:rPr lang="en-US" smtClean="0"/>
-              <a:t>11/17/2024</a:t>
+              <a:t>11/18/2024</a:t>
             </a:fld>
             <a:endParaRPr lang="en-US"/>
           </a:p>
@@ -3062,7 +3147,7 @@
           <a:p>
             <a:fld id="{ABD6D8EA-5220-4797-B98A-DB6D6AFF8C91}" type="datetime1">
               <a:rPr lang="en-US" smtClean="0"/>
-              <a:t>11/17/2024</a:t>
+              <a:t>11/18/2024</a:t>
             </a:fld>
             <a:endParaRPr lang="en-US"/>
           </a:p>
@@ -3303,7 +3388,7 @@
           <a:p>
             <a:fld id="{B82A29AA-8425-4AF9-A92F-59C7DCF9B306}" type="datetime1">
               <a:rPr lang="en-US" smtClean="0"/>
-              <a:t>11/17/2024</a:t>
+              <a:t>11/18/2024</a:t>
             </a:fld>
             <a:endParaRPr lang="en-US"/>
           </a:p>
@@ -10597,91 +10682,130 @@
         </p:spPr>
         <p:txBody>
           <a:bodyPr>
-            <a:normAutofit/>
+            <a:normAutofit lnSpcReduction="10000"/>
           </a:bodyPr>
           <a:lstStyle/>
           <a:p>
             <a:pPr algn="just"/>
             <a:r>
-              <a:rPr lang="en-US" dirty="0"/>
+              <a:rPr lang="en-US" dirty="0">
+                <a:latin typeface="Arial" panose="020B0604020202020204" pitchFamily="34" charset="0"/>
+                <a:cs typeface="Arial" panose="020B0604020202020204" pitchFamily="34" charset="0"/>
+              </a:rPr>
               <a:t>Sequence Diagram Notation</a:t>
             </a:r>
           </a:p>
           <a:p>
             <a:pPr lvl="1" algn="just"/>
             <a:r>
-              <a:rPr lang="en-US" dirty="0"/>
+              <a:rPr lang="en-US" dirty="0">
+                <a:latin typeface="Arial" panose="020B0604020202020204" pitchFamily="34" charset="0"/>
+                <a:cs typeface="Arial" panose="020B0604020202020204" pitchFamily="34" charset="0"/>
+              </a:rPr>
               <a:t>Actor</a:t>
             </a:r>
           </a:p>
           <a:p>
             <a:pPr lvl="2" algn="just"/>
             <a:r>
-              <a:rPr lang="en-US" dirty="0"/>
-              <a:t>a type of role played by an entity that interacts with the subject (e.g., by exchanging signals and data)</a:t>
+              <a:rPr lang="en-US" dirty="0">
+                <a:latin typeface="Arial" panose="020B0604020202020204" pitchFamily="34" charset="0"/>
+                <a:cs typeface="Arial" panose="020B0604020202020204" pitchFamily="34" charset="0"/>
+              </a:rPr>
+              <a:t>A type of role played by an entity that interacts with the subject (e.g., by exchanging signals and data)</a:t>
             </a:r>
           </a:p>
           <a:p>
             <a:pPr lvl="2" algn="just"/>
             <a:r>
-              <a:rPr lang="en-US" dirty="0"/>
-              <a:t>represent roles played by human users, external hardware, or other subjects.</a:t>
+              <a:rPr lang="en-US" dirty="0">
+                <a:latin typeface="Arial" panose="020B0604020202020204" pitchFamily="34" charset="0"/>
+                <a:cs typeface="Arial" panose="020B0604020202020204" pitchFamily="34" charset="0"/>
+              </a:rPr>
+              <a:t>Represent roles played by human users, external hardware, or other subjects.</a:t>
             </a:r>
           </a:p>
           <a:p>
             <a:pPr lvl="2" algn="just"/>
             <a:r>
-              <a:rPr lang="en-US" b="1" dirty="0"/>
+              <a:rPr lang="en-US" b="1" dirty="0">
+                <a:latin typeface="Arial" panose="020B0604020202020204" pitchFamily="34" charset="0"/>
+                <a:cs typeface="Arial" panose="020B0604020202020204" pitchFamily="34" charset="0"/>
+              </a:rPr>
               <a:t>Note that:</a:t>
             </a:r>
-            <a:endParaRPr lang="en-US" dirty="0"/>
+            <a:endParaRPr lang="en-US" dirty="0">
+              <a:latin typeface="Arial" panose="020B0604020202020204" pitchFamily="34" charset="0"/>
+              <a:cs typeface="Arial" panose="020B0604020202020204" pitchFamily="34" charset="0"/>
+            </a:endParaRPr>
           </a:p>
           <a:p>
             <a:pPr lvl="3" algn="just"/>
             <a:r>
-              <a:rPr lang="en-US" dirty="0"/>
+              <a:rPr lang="en-US" dirty="0">
+                <a:latin typeface="Arial" panose="020B0604020202020204" pitchFamily="34" charset="0"/>
+                <a:cs typeface="Arial" panose="020B0604020202020204" pitchFamily="34" charset="0"/>
+              </a:rPr>
               <a:t>An actor does not necessarily represent a specific physical entity but merely a particular role of some entity</a:t>
             </a:r>
           </a:p>
           <a:p>
             <a:pPr lvl="3" algn="just"/>
             <a:r>
-              <a:rPr lang="en-US" dirty="0"/>
+              <a:rPr lang="en-US" dirty="0">
+                <a:latin typeface="Arial" panose="020B0604020202020204" pitchFamily="34" charset="0"/>
+                <a:cs typeface="Arial" panose="020B0604020202020204" pitchFamily="34" charset="0"/>
+              </a:rPr>
               <a:t>A person may play the role of several different actors and, conversely, a given actor may be played by multiple different person.</a:t>
             </a:r>
           </a:p>
           <a:p>
             <a:pPr lvl="1" algn="just"/>
             <a:r>
-              <a:rPr lang="en-US" dirty="0"/>
+              <a:rPr lang="en-US" dirty="0">
+                <a:latin typeface="Arial" panose="020B0604020202020204" pitchFamily="34" charset="0"/>
+                <a:cs typeface="Arial" panose="020B0604020202020204" pitchFamily="34" charset="0"/>
+              </a:rPr>
               <a:t>Lifeline</a:t>
             </a:r>
           </a:p>
           <a:p>
             <a:pPr lvl="2" algn="just"/>
             <a:r>
-              <a:rPr lang="en-US" dirty="0"/>
+              <a:rPr lang="en-US" dirty="0">
+                <a:latin typeface="Arial" panose="020B0604020202020204" pitchFamily="34" charset="0"/>
+                <a:cs typeface="Arial" panose="020B0604020202020204" pitchFamily="34" charset="0"/>
+              </a:rPr>
               <a:t>A lifeline represents an individual participant in the Interaction.</a:t>
             </a:r>
           </a:p>
           <a:p>
             <a:pPr lvl="1" algn="just"/>
             <a:r>
-              <a:rPr lang="en-US" dirty="0"/>
+              <a:rPr lang="en-US" dirty="0">
+                <a:latin typeface="Arial" panose="020B0604020202020204" pitchFamily="34" charset="0"/>
+                <a:cs typeface="Arial" panose="020B0604020202020204" pitchFamily="34" charset="0"/>
+              </a:rPr>
               <a:t>Activations</a:t>
             </a:r>
           </a:p>
           <a:p>
             <a:pPr lvl="2" algn="just"/>
             <a:r>
-              <a:rPr lang="en-US" dirty="0"/>
-              <a:t>A thin rectangle on a lifeline) represents the period during which an element is performing an operation.</a:t>
+              <a:rPr lang="en-US" dirty="0">
+                <a:latin typeface="Arial" panose="020B0604020202020204" pitchFamily="34" charset="0"/>
+                <a:cs typeface="Arial" panose="020B0604020202020204" pitchFamily="34" charset="0"/>
+              </a:rPr>
+              <a:t>A thin rectangle on a lifeline, represents the period during which an element is performing an operation.</a:t>
             </a:r>
           </a:p>
           <a:p>
             <a:pPr lvl="2" algn="just"/>
             <a:r>
-              <a:rPr lang="en-US" dirty="0"/>
+              <a:rPr lang="en-US" dirty="0">
+                <a:latin typeface="Arial" panose="020B0604020202020204" pitchFamily="34" charset="0"/>
+                <a:cs typeface="Arial" panose="020B0604020202020204" pitchFamily="34" charset="0"/>
+              </a:rPr>
               <a:t>The top and the bottom of the of the rectangle are aligned with the initiation and the completion time respectively</a:t>
             </a:r>
           </a:p>
@@ -11776,7 +11900,7 @@
         </p:blipFill>
         <p:spPr>
           <a:xfrm>
-            <a:off x="9510601" y="1595346"/>
+            <a:off x="9510601" y="1240586"/>
             <a:ext cx="1590897" cy="1305107"/>
           </a:xfrm>
           <a:prstGeom prst="rect">
@@ -11926,8 +12050,8 @@
         </p:nvSpPr>
         <p:spPr>
           <a:xfrm>
-            <a:off x="838200" y="1009651"/>
-            <a:ext cx="7858125" cy="5483224"/>
+            <a:off x="838201" y="1009651"/>
+            <a:ext cx="6606208" cy="5483224"/>
           </a:xfrm>
         </p:spPr>
         <p:txBody>
@@ -11944,7 +12068,35 @@
           </a:p>
           <a:p>
             <a:pPr lvl="1" algn="just"/>
+            <a:r>
+              <a:rPr lang="en-US" dirty="0"/>
+              <a:t>Duration Message</a:t>
+            </a:r>
+          </a:p>
+          <a:p>
+            <a:pPr lvl="2" algn="just"/>
+            <a:r>
+              <a:rPr lang="en-US" dirty="0"/>
+              <a:t>A duration message defines a particular communication between lifelines of an interaction, which shows the distance between two-time instants for a message invocation.</a:t>
+            </a:r>
+          </a:p>
+          <a:p>
+            <a:pPr lvl="1" algn="just"/>
             <a:endParaRPr lang="en-US" dirty="0"/>
+          </a:p>
+          <a:p>
+            <a:pPr lvl="1" algn="just"/>
+            <a:r>
+              <a:rPr lang="en-US" dirty="0"/>
+              <a:t>Note</a:t>
+            </a:r>
+          </a:p>
+          <a:p>
+            <a:pPr lvl="2" algn="just"/>
+            <a:r>
+              <a:rPr lang="en-US" dirty="0"/>
+              <a:t>A note (comment) gives the ability to attach various remarks to elements. A comment carries no semantic force, but may contain information that is useful to a modeler.</a:t>
+            </a:r>
           </a:p>
         </p:txBody>
       </p:sp>
@@ -11979,10 +12131,10 @@
       </p:sp>
       <p:pic>
         <p:nvPicPr>
-          <p:cNvPr id="7" name="Picture 6">
-            <a:extLst>
-              <a:ext uri="{FF2B5EF4-FFF2-40B4-BE49-F238E27FC236}">
-                <a16:creationId xmlns:a16="http://schemas.microsoft.com/office/drawing/2014/main" id="{2BD997DE-B329-ECF4-F317-30329D3D6629}"/>
+          <p:cNvPr id="15" name="Picture 14">
+            <a:extLst>
+              <a:ext uri="{FF2B5EF4-FFF2-40B4-BE49-F238E27FC236}">
+                <a16:creationId xmlns:a16="http://schemas.microsoft.com/office/drawing/2014/main" id="{F0C163B5-E298-EBBA-BB8E-1FA3B7DA9604}"/>
               </a:ext>
             </a:extLst>
           </p:cNvPr>
@@ -11999,8 +12151,8 @@
         </p:blipFill>
         <p:spPr>
           <a:xfrm>
-            <a:off x="9510601" y="1595346"/>
-            <a:ext cx="1590897" cy="1305107"/>
+            <a:off x="7398026" y="885826"/>
+            <a:ext cx="4197119" cy="2905031"/>
           </a:xfrm>
           <a:prstGeom prst="rect">
             <a:avLst/>
@@ -12009,10 +12161,10 @@
       </p:pic>
       <p:pic>
         <p:nvPicPr>
-          <p:cNvPr id="10" name="Picture 9">
-            <a:extLst>
-              <a:ext uri="{FF2B5EF4-FFF2-40B4-BE49-F238E27FC236}">
-                <a16:creationId xmlns:a16="http://schemas.microsoft.com/office/drawing/2014/main" id="{585F57FC-DB13-854F-E982-39B173303E6B}"/>
+          <p:cNvPr id="19" name="Picture 18">
+            <a:extLst>
+              <a:ext uri="{FF2B5EF4-FFF2-40B4-BE49-F238E27FC236}">
+                <a16:creationId xmlns:a16="http://schemas.microsoft.com/office/drawing/2014/main" id="{EFC90F33-9A18-BFCA-A303-6027E11AB10E}"/>
               </a:ext>
             </a:extLst>
           </p:cNvPr>
@@ -12029,38 +12181,8 @@
         </p:blipFill>
         <p:spPr>
           <a:xfrm>
-            <a:off x="9510601" y="2900453"/>
-            <a:ext cx="2338685" cy="1762390"/>
-          </a:xfrm>
-          <a:prstGeom prst="rect">
-            <a:avLst/>
-          </a:prstGeom>
-        </p:spPr>
-      </p:pic>
-      <p:pic>
-        <p:nvPicPr>
-          <p:cNvPr id="13" name="Picture 12">
-            <a:extLst>
-              <a:ext uri="{FF2B5EF4-FFF2-40B4-BE49-F238E27FC236}">
-                <a16:creationId xmlns:a16="http://schemas.microsoft.com/office/drawing/2014/main" id="{30C948D7-8B6D-3CE9-C966-425480F49104}"/>
-              </a:ext>
-            </a:extLst>
-          </p:cNvPr>
-          <p:cNvPicPr>
-            <a:picLocks noChangeAspect="1"/>
-          </p:cNvPicPr>
-          <p:nvPr/>
-        </p:nvPicPr>
-        <p:blipFill>
-          <a:blip r:embed="rId4"/>
-          <a:stretch>
-            <a:fillRect/>
-          </a:stretch>
-        </p:blipFill>
-        <p:spPr>
-          <a:xfrm>
-            <a:off x="9510601" y="4910933"/>
-            <a:ext cx="2138474" cy="1057017"/>
+            <a:off x="9001216" y="4152248"/>
+            <a:ext cx="990738" cy="581106"/>
           </a:xfrm>
           <a:prstGeom prst="rect">
             <a:avLst/>
@@ -12085,6 +12207,709 @@
   <p:cSld>
     <p:spTree>
       <p:nvGrpSpPr>
+        <p:cNvPr id="1" name="">
+          <a:extLst>
+            <a:ext uri="{FF2B5EF4-FFF2-40B4-BE49-F238E27FC236}">
+              <a16:creationId xmlns:a16="http://schemas.microsoft.com/office/drawing/2014/main" id="{1C9506F1-60CE-7761-7F9A-13203A6E14B8}"/>
+            </a:ext>
+          </a:extLst>
+        </p:cNvPr>
+        <p:cNvGrpSpPr/>
+        <p:nvPr/>
+      </p:nvGrpSpPr>
+      <p:grpSpPr>
+        <a:xfrm>
+          <a:off x="0" y="0"/>
+          <a:ext cx="0" cy="0"/>
+          <a:chOff x="0" y="0"/>
+          <a:chExt cx="0" cy="0"/>
+        </a:xfrm>
+      </p:grpSpPr>
+      <p:sp>
+        <p:nvSpPr>
+          <p:cNvPr id="2" name="Title 1">
+            <a:extLst>
+              <a:ext uri="{FF2B5EF4-FFF2-40B4-BE49-F238E27FC236}">
+                <a16:creationId xmlns:a16="http://schemas.microsoft.com/office/drawing/2014/main" id="{CFC49E48-6FD3-46E1-3F70-2AD14D68439F}"/>
+              </a:ext>
+            </a:extLst>
+          </p:cNvPr>
+          <p:cNvSpPr>
+            <a:spLocks noGrp="1"/>
+          </p:cNvSpPr>
+          <p:nvPr>
+            <p:ph type="title"/>
+          </p:nvPr>
+        </p:nvSpPr>
+        <p:spPr/>
+        <p:txBody>
+          <a:bodyPr/>
+          <a:lstStyle/>
+          <a:p>
+            <a:r>
+              <a:rPr lang="en-US" dirty="0"/>
+              <a:t>UML Sequence Diagram </a:t>
+            </a:r>
+          </a:p>
+        </p:txBody>
+      </p:sp>
+      <p:sp>
+        <p:nvSpPr>
+          <p:cNvPr id="3" name="Content Placeholder 2">
+            <a:extLst>
+              <a:ext uri="{FF2B5EF4-FFF2-40B4-BE49-F238E27FC236}">
+                <a16:creationId xmlns:a16="http://schemas.microsoft.com/office/drawing/2014/main" id="{2226C593-4D77-5582-E457-AFE7041B90A0}"/>
+              </a:ext>
+            </a:extLst>
+          </p:cNvPr>
+          <p:cNvSpPr>
+            <a:spLocks noGrp="1"/>
+          </p:cNvSpPr>
+          <p:nvPr>
+            <p:ph idx="1"/>
+          </p:nvPr>
+        </p:nvSpPr>
+        <p:spPr>
+          <a:xfrm>
+            <a:off x="838201" y="1009651"/>
+            <a:ext cx="6606208" cy="5483224"/>
+          </a:xfrm>
+        </p:spPr>
+        <p:txBody>
+          <a:bodyPr>
+            <a:normAutofit/>
+          </a:bodyPr>
+          <a:lstStyle/>
+          <a:p>
+            <a:pPr algn="just"/>
+            <a:r>
+              <a:rPr lang="en-US" dirty="0"/>
+              <a:t>Sequence Diagram Notation:</a:t>
+            </a:r>
+          </a:p>
+          <a:p>
+            <a:pPr lvl="1" algn="just"/>
+            <a:r>
+              <a:rPr lang="en-US" dirty="0"/>
+              <a:t>Sequence Fragments</a:t>
+            </a:r>
+          </a:p>
+          <a:p>
+            <a:pPr lvl="2" algn="just"/>
+            <a:r>
+              <a:rPr lang="en-US" dirty="0"/>
+              <a:t>A sequence fragment is represented as a box, called a combined fragment, which encloses a portion of the interactions within a sequence diagram</a:t>
+            </a:r>
+          </a:p>
+          <a:p>
+            <a:pPr lvl="2" algn="just"/>
+            <a:r>
+              <a:rPr lang="en-US" dirty="0"/>
+              <a:t>The fragment operator (in the top left cornet) indicates the type of fragment</a:t>
+            </a:r>
+          </a:p>
+        </p:txBody>
+      </p:sp>
+      <p:sp>
+        <p:nvSpPr>
+          <p:cNvPr id="4" name="Slide Number Placeholder 3">
+            <a:extLst>
+              <a:ext uri="{FF2B5EF4-FFF2-40B4-BE49-F238E27FC236}">
+                <a16:creationId xmlns:a16="http://schemas.microsoft.com/office/drawing/2014/main" id="{26D2FFC6-9E08-CC32-9518-74D85185CA65}"/>
+              </a:ext>
+            </a:extLst>
+          </p:cNvPr>
+          <p:cNvSpPr>
+            <a:spLocks noGrp="1"/>
+          </p:cNvSpPr>
+          <p:nvPr>
+            <p:ph type="sldNum" sz="quarter" idx="12"/>
+          </p:nvPr>
+        </p:nvSpPr>
+        <p:spPr/>
+        <p:txBody>
+          <a:bodyPr/>
+          <a:lstStyle/>
+          <a:p>
+            <a:fld id="{F87CB64D-9286-4B15-A008-6B37D00894E6}" type="slidenum">
+              <a:rPr lang="en-US" smtClean="0"/>
+              <a:t>43</a:t>
+            </a:fld>
+            <a:endParaRPr lang="en-US"/>
+          </a:p>
+        </p:txBody>
+      </p:sp>
+      <p:pic>
+        <p:nvPicPr>
+          <p:cNvPr id="6" name="Picture 5">
+            <a:extLst>
+              <a:ext uri="{FF2B5EF4-FFF2-40B4-BE49-F238E27FC236}">
+                <a16:creationId xmlns:a16="http://schemas.microsoft.com/office/drawing/2014/main" id="{7364B21F-A806-AB3E-4E73-40FAF05006FC}"/>
+              </a:ext>
+            </a:extLst>
+          </p:cNvPr>
+          <p:cNvPicPr>
+            <a:picLocks noChangeAspect="1"/>
+          </p:cNvPicPr>
+          <p:nvPr/>
+        </p:nvPicPr>
+        <p:blipFill>
+          <a:blip r:embed="rId3"/>
+          <a:stretch>
+            <a:fillRect/>
+          </a:stretch>
+        </p:blipFill>
+        <p:spPr>
+          <a:xfrm>
+            <a:off x="7460711" y="1211914"/>
+            <a:ext cx="3524876" cy="1572828"/>
+          </a:xfrm>
+          <a:prstGeom prst="rect">
+            <a:avLst/>
+          </a:prstGeom>
+        </p:spPr>
+      </p:pic>
+      <p:graphicFrame>
+        <p:nvGraphicFramePr>
+          <p:cNvPr id="8" name="Table 7">
+            <a:extLst>
+              <a:ext uri="{FF2B5EF4-FFF2-40B4-BE49-F238E27FC236}">
+                <a16:creationId xmlns:a16="http://schemas.microsoft.com/office/drawing/2014/main" id="{6C017C3A-0C58-54A8-2335-5F0C184C6C7C}"/>
+              </a:ext>
+            </a:extLst>
+          </p:cNvPr>
+          <p:cNvGraphicFramePr>
+            <a:graphicFrameLocks noGrp="1"/>
+          </p:cNvGraphicFramePr>
+          <p:nvPr>
+            <p:extLst>
+              <p:ext uri="{D42A27DB-BD31-4B8C-83A1-F6EECF244321}">
+                <p14:modId xmlns:p14="http://schemas.microsoft.com/office/powerpoint/2010/main" val="445510769"/>
+              </p:ext>
+            </p:extLst>
+          </p:nvPr>
+        </p:nvGraphicFramePr>
+        <p:xfrm>
+          <a:off x="1206412" y="3163089"/>
+          <a:ext cx="9779175" cy="3385456"/>
+        </p:xfrm>
+        <a:graphic>
+          <a:graphicData uri="http://schemas.openxmlformats.org/drawingml/2006/table">
+            <a:tbl>
+              <a:tblPr firstRow="1" bandRow="1">
+                <a:tableStyleId>{5C22544A-7EE6-4342-B048-85BDC9FD1C3A}</a:tableStyleId>
+              </a:tblPr>
+              <a:tblGrid>
+                <a:gridCol w="1060348">
+                  <a:extLst>
+                    <a:ext uri="{9D8B030D-6E8A-4147-A177-3AD203B41FA5}">
+                      <a16:colId xmlns:a16="http://schemas.microsoft.com/office/drawing/2014/main" val="3545441209"/>
+                    </a:ext>
+                  </a:extLst>
+                </a:gridCol>
+                <a:gridCol w="8718827">
+                  <a:extLst>
+                    <a:ext uri="{9D8B030D-6E8A-4147-A177-3AD203B41FA5}">
+                      <a16:colId xmlns:a16="http://schemas.microsoft.com/office/drawing/2014/main" val="3340955123"/>
+                    </a:ext>
+                  </a:extLst>
+                </a:gridCol>
+              </a:tblGrid>
+              <a:tr h="321407">
+                <a:tc>
+                  <a:txBody>
+                    <a:bodyPr/>
+                    <a:lstStyle/>
+                    <a:p>
+                      <a:r>
+                        <a:rPr lang="en-US" dirty="0"/>
+                        <a:t>Operator</a:t>
+                      </a:r>
+                    </a:p>
+                  </a:txBody>
+                  <a:tcPr/>
+                </a:tc>
+                <a:tc>
+                  <a:txBody>
+                    <a:bodyPr/>
+                    <a:lstStyle/>
+                    <a:p>
+                      <a:r>
+                        <a:rPr lang="en-US" dirty="0"/>
+                        <a:t>Fragment Type</a:t>
+                      </a:r>
+                    </a:p>
+                  </a:txBody>
+                  <a:tcPr/>
+                </a:tc>
+                <a:extLst>
+                  <a:ext uri="{0D108BD9-81ED-4DB2-BD59-A6C34878D82A}">
+                    <a16:rowId xmlns:a16="http://schemas.microsoft.com/office/drawing/2014/main" val="2425480733"/>
+                  </a:ext>
+                </a:extLst>
+              </a:tr>
+              <a:tr h="398424">
+                <a:tc>
+                  <a:txBody>
+                    <a:bodyPr/>
+                    <a:lstStyle/>
+                    <a:p>
+                      <a:r>
+                        <a:rPr lang="en-US" sz="1400" b="1" dirty="0">
+                          <a:solidFill>
+                            <a:srgbClr val="333333"/>
+                          </a:solidFill>
+                          <a:effectLst/>
+                          <a:latin typeface="Arial" panose="020B0604020202020204" pitchFamily="34" charset="0"/>
+                          <a:cs typeface="Arial" panose="020B0604020202020204" pitchFamily="34" charset="0"/>
+                        </a:rPr>
+                        <a:t>alt</a:t>
+                      </a:r>
+                      <a:endParaRPr lang="en-US" sz="1400" b="0" dirty="0">
+                        <a:solidFill>
+                          <a:srgbClr val="333333"/>
+                        </a:solidFill>
+                        <a:effectLst/>
+                        <a:latin typeface="Arial" panose="020B0604020202020204" pitchFamily="34" charset="0"/>
+                        <a:cs typeface="Arial" panose="020B0604020202020204" pitchFamily="34" charset="0"/>
+                      </a:endParaRPr>
+                    </a:p>
+                  </a:txBody>
+                  <a:tcPr anchor="ctr"/>
+                </a:tc>
+                <a:tc>
+                  <a:txBody>
+                    <a:bodyPr/>
+                    <a:lstStyle/>
+                    <a:p>
+                      <a:r>
+                        <a:rPr lang="en-US" sz="1400" b="0" dirty="0">
+                          <a:solidFill>
+                            <a:srgbClr val="333333"/>
+                          </a:solidFill>
+                          <a:effectLst/>
+                          <a:latin typeface="Arial" panose="020B0604020202020204" pitchFamily="34" charset="0"/>
+                          <a:cs typeface="Arial" panose="020B0604020202020204" pitchFamily="34" charset="0"/>
+                        </a:rPr>
+                        <a:t>Alternative multiple fragments: only the one whose condition is true will execute.</a:t>
+                      </a:r>
+                    </a:p>
+                  </a:txBody>
+                  <a:tcPr anchor="ctr"/>
+                </a:tc>
+                <a:extLst>
+                  <a:ext uri="{0D108BD9-81ED-4DB2-BD59-A6C34878D82A}">
+                    <a16:rowId xmlns:a16="http://schemas.microsoft.com/office/drawing/2014/main" val="4154383345"/>
+                  </a:ext>
+                </a:extLst>
+              </a:tr>
+              <a:tr h="398424">
+                <a:tc>
+                  <a:txBody>
+                    <a:bodyPr/>
+                    <a:lstStyle/>
+                    <a:p>
+                      <a:r>
+                        <a:rPr lang="en-US" sz="1400" b="1">
+                          <a:solidFill>
+                            <a:srgbClr val="333333"/>
+                          </a:solidFill>
+                          <a:effectLst/>
+                          <a:latin typeface="Arial" panose="020B0604020202020204" pitchFamily="34" charset="0"/>
+                          <a:cs typeface="Arial" panose="020B0604020202020204" pitchFamily="34" charset="0"/>
+                        </a:rPr>
+                        <a:t>opt</a:t>
+                      </a:r>
+                      <a:endParaRPr lang="en-US" sz="1400" b="0">
+                        <a:solidFill>
+                          <a:srgbClr val="333333"/>
+                        </a:solidFill>
+                        <a:effectLst/>
+                        <a:latin typeface="Arial" panose="020B0604020202020204" pitchFamily="34" charset="0"/>
+                        <a:cs typeface="Arial" panose="020B0604020202020204" pitchFamily="34" charset="0"/>
+                      </a:endParaRPr>
+                    </a:p>
+                  </a:txBody>
+                  <a:tcPr anchor="ctr"/>
+                </a:tc>
+                <a:tc>
+                  <a:txBody>
+                    <a:bodyPr/>
+                    <a:lstStyle/>
+                    <a:p>
+                      <a:r>
+                        <a:rPr lang="en-US" sz="1400" b="0">
+                          <a:solidFill>
+                            <a:srgbClr val="333333"/>
+                          </a:solidFill>
+                          <a:effectLst/>
+                          <a:latin typeface="Arial" panose="020B0604020202020204" pitchFamily="34" charset="0"/>
+                          <a:cs typeface="Arial" panose="020B0604020202020204" pitchFamily="34" charset="0"/>
+                        </a:rPr>
+                        <a:t>Optional: the fragment executes only if the supplied condition is true. Equivalent to an alt only with one trace.</a:t>
+                      </a:r>
+                    </a:p>
+                  </a:txBody>
+                  <a:tcPr anchor="ctr"/>
+                </a:tc>
+                <a:extLst>
+                  <a:ext uri="{0D108BD9-81ED-4DB2-BD59-A6C34878D82A}">
+                    <a16:rowId xmlns:a16="http://schemas.microsoft.com/office/drawing/2014/main" val="2937726954"/>
+                  </a:ext>
+                </a:extLst>
+              </a:tr>
+              <a:tr h="267840">
+                <a:tc>
+                  <a:txBody>
+                    <a:bodyPr/>
+                    <a:lstStyle/>
+                    <a:p>
+                      <a:r>
+                        <a:rPr lang="en-US" sz="1400" b="1">
+                          <a:solidFill>
+                            <a:srgbClr val="333333"/>
+                          </a:solidFill>
+                          <a:effectLst/>
+                          <a:latin typeface="Arial" panose="020B0604020202020204" pitchFamily="34" charset="0"/>
+                          <a:cs typeface="Arial" panose="020B0604020202020204" pitchFamily="34" charset="0"/>
+                        </a:rPr>
+                        <a:t>par</a:t>
+                      </a:r>
+                      <a:endParaRPr lang="en-US" sz="1400" b="0">
+                        <a:solidFill>
+                          <a:srgbClr val="333333"/>
+                        </a:solidFill>
+                        <a:effectLst/>
+                        <a:latin typeface="Arial" panose="020B0604020202020204" pitchFamily="34" charset="0"/>
+                        <a:cs typeface="Arial" panose="020B0604020202020204" pitchFamily="34" charset="0"/>
+                      </a:endParaRPr>
+                    </a:p>
+                  </a:txBody>
+                  <a:tcPr anchor="ctr"/>
+                </a:tc>
+                <a:tc>
+                  <a:txBody>
+                    <a:bodyPr/>
+                    <a:lstStyle/>
+                    <a:p>
+                      <a:r>
+                        <a:rPr lang="en-US" sz="1400" b="0">
+                          <a:solidFill>
+                            <a:srgbClr val="333333"/>
+                          </a:solidFill>
+                          <a:effectLst/>
+                          <a:latin typeface="Arial" panose="020B0604020202020204" pitchFamily="34" charset="0"/>
+                          <a:cs typeface="Arial" panose="020B0604020202020204" pitchFamily="34" charset="0"/>
+                        </a:rPr>
+                        <a:t>Parallel: each fragment is run in parallel.</a:t>
+                      </a:r>
+                    </a:p>
+                  </a:txBody>
+                  <a:tcPr anchor="ctr"/>
+                </a:tc>
+                <a:extLst>
+                  <a:ext uri="{0D108BD9-81ED-4DB2-BD59-A6C34878D82A}">
+                    <a16:rowId xmlns:a16="http://schemas.microsoft.com/office/drawing/2014/main" val="10245040"/>
+                  </a:ext>
+                </a:extLst>
+              </a:tr>
+              <a:tr h="398424">
+                <a:tc>
+                  <a:txBody>
+                    <a:bodyPr/>
+                    <a:lstStyle/>
+                    <a:p>
+                      <a:r>
+                        <a:rPr lang="en-US" sz="1400" b="1">
+                          <a:solidFill>
+                            <a:srgbClr val="333333"/>
+                          </a:solidFill>
+                          <a:effectLst/>
+                          <a:latin typeface="Arial" panose="020B0604020202020204" pitchFamily="34" charset="0"/>
+                          <a:cs typeface="Arial" panose="020B0604020202020204" pitchFamily="34" charset="0"/>
+                        </a:rPr>
+                        <a:t>loop</a:t>
+                      </a:r>
+                      <a:endParaRPr lang="en-US" sz="1400" b="0">
+                        <a:solidFill>
+                          <a:srgbClr val="333333"/>
+                        </a:solidFill>
+                        <a:effectLst/>
+                        <a:latin typeface="Arial" panose="020B0604020202020204" pitchFamily="34" charset="0"/>
+                        <a:cs typeface="Arial" panose="020B0604020202020204" pitchFamily="34" charset="0"/>
+                      </a:endParaRPr>
+                    </a:p>
+                  </a:txBody>
+                  <a:tcPr anchor="ctr"/>
+                </a:tc>
+                <a:tc>
+                  <a:txBody>
+                    <a:bodyPr/>
+                    <a:lstStyle/>
+                    <a:p>
+                      <a:r>
+                        <a:rPr lang="en-US" sz="1400" b="0" dirty="0">
+                          <a:solidFill>
+                            <a:srgbClr val="333333"/>
+                          </a:solidFill>
+                          <a:effectLst/>
+                          <a:latin typeface="Arial" panose="020B0604020202020204" pitchFamily="34" charset="0"/>
+                          <a:cs typeface="Arial" panose="020B0604020202020204" pitchFamily="34" charset="0"/>
+                        </a:rPr>
+                        <a:t>Loop: the fragment may execute multiple times, and the guard indicates the basis of iteration.</a:t>
+                      </a:r>
+                    </a:p>
+                  </a:txBody>
+                  <a:tcPr anchor="ctr"/>
+                </a:tc>
+                <a:extLst>
+                  <a:ext uri="{0D108BD9-81ED-4DB2-BD59-A6C34878D82A}">
+                    <a16:rowId xmlns:a16="http://schemas.microsoft.com/office/drawing/2014/main" val="2430690197"/>
+                  </a:ext>
+                </a:extLst>
+              </a:tr>
+              <a:tr h="267840">
+                <a:tc>
+                  <a:txBody>
+                    <a:bodyPr/>
+                    <a:lstStyle/>
+                    <a:p>
+                      <a:r>
+                        <a:rPr lang="en-US" sz="1400" b="1">
+                          <a:solidFill>
+                            <a:srgbClr val="333333"/>
+                          </a:solidFill>
+                          <a:effectLst/>
+                          <a:latin typeface="Arial" panose="020B0604020202020204" pitchFamily="34" charset="0"/>
+                          <a:cs typeface="Arial" panose="020B0604020202020204" pitchFamily="34" charset="0"/>
+                        </a:rPr>
+                        <a:t>region</a:t>
+                      </a:r>
+                      <a:endParaRPr lang="en-US" sz="1400" b="0">
+                        <a:solidFill>
+                          <a:srgbClr val="333333"/>
+                        </a:solidFill>
+                        <a:effectLst/>
+                        <a:latin typeface="Arial" panose="020B0604020202020204" pitchFamily="34" charset="0"/>
+                        <a:cs typeface="Arial" panose="020B0604020202020204" pitchFamily="34" charset="0"/>
+                      </a:endParaRPr>
+                    </a:p>
+                  </a:txBody>
+                  <a:tcPr anchor="ctr"/>
+                </a:tc>
+                <a:tc>
+                  <a:txBody>
+                    <a:bodyPr/>
+                    <a:lstStyle/>
+                    <a:p>
+                      <a:r>
+                        <a:rPr lang="en-US" sz="1400" b="0" dirty="0">
+                          <a:solidFill>
+                            <a:srgbClr val="333333"/>
+                          </a:solidFill>
+                          <a:effectLst/>
+                          <a:latin typeface="Arial" panose="020B0604020202020204" pitchFamily="34" charset="0"/>
+                          <a:cs typeface="Arial" panose="020B0604020202020204" pitchFamily="34" charset="0"/>
+                        </a:rPr>
+                        <a:t>Critical region: the fragment can have only one thread executing it at once.</a:t>
+                      </a:r>
+                    </a:p>
+                  </a:txBody>
+                  <a:tcPr anchor="ctr"/>
+                </a:tc>
+                <a:extLst>
+                  <a:ext uri="{0D108BD9-81ED-4DB2-BD59-A6C34878D82A}">
+                    <a16:rowId xmlns:a16="http://schemas.microsoft.com/office/drawing/2014/main" val="744972055"/>
+                  </a:ext>
+                </a:extLst>
+              </a:tr>
+              <a:tr h="267840">
+                <a:tc>
+                  <a:txBody>
+                    <a:bodyPr/>
+                    <a:lstStyle/>
+                    <a:p>
+                      <a:r>
+                        <a:rPr lang="en-US" sz="1400" b="1">
+                          <a:solidFill>
+                            <a:srgbClr val="333333"/>
+                          </a:solidFill>
+                          <a:effectLst/>
+                          <a:latin typeface="Arial" panose="020B0604020202020204" pitchFamily="34" charset="0"/>
+                          <a:cs typeface="Arial" panose="020B0604020202020204" pitchFamily="34" charset="0"/>
+                        </a:rPr>
+                        <a:t>neg</a:t>
+                      </a:r>
+                      <a:endParaRPr lang="en-US" sz="1400" b="0">
+                        <a:solidFill>
+                          <a:srgbClr val="333333"/>
+                        </a:solidFill>
+                        <a:effectLst/>
+                        <a:latin typeface="Arial" panose="020B0604020202020204" pitchFamily="34" charset="0"/>
+                        <a:cs typeface="Arial" panose="020B0604020202020204" pitchFamily="34" charset="0"/>
+                      </a:endParaRPr>
+                    </a:p>
+                  </a:txBody>
+                  <a:tcPr anchor="ctr"/>
+                </a:tc>
+                <a:tc>
+                  <a:txBody>
+                    <a:bodyPr/>
+                    <a:lstStyle/>
+                    <a:p>
+                      <a:r>
+                        <a:rPr lang="en-US" sz="1400" b="0">
+                          <a:solidFill>
+                            <a:srgbClr val="333333"/>
+                          </a:solidFill>
+                          <a:effectLst/>
+                          <a:latin typeface="Arial" panose="020B0604020202020204" pitchFamily="34" charset="0"/>
+                          <a:cs typeface="Arial" panose="020B0604020202020204" pitchFamily="34" charset="0"/>
+                        </a:rPr>
+                        <a:t>Negative: the fragment shows an invalid interaction.</a:t>
+                      </a:r>
+                    </a:p>
+                  </a:txBody>
+                  <a:tcPr anchor="ctr"/>
+                </a:tc>
+                <a:extLst>
+                  <a:ext uri="{0D108BD9-81ED-4DB2-BD59-A6C34878D82A}">
+                    <a16:rowId xmlns:a16="http://schemas.microsoft.com/office/drawing/2014/main" val="1438616328"/>
+                  </a:ext>
+                </a:extLst>
+              </a:tr>
+              <a:tr h="605224">
+                <a:tc>
+                  <a:txBody>
+                    <a:bodyPr/>
+                    <a:lstStyle/>
+                    <a:p>
+                      <a:r>
+                        <a:rPr lang="en-US" sz="1400" b="1">
+                          <a:solidFill>
+                            <a:srgbClr val="333333"/>
+                          </a:solidFill>
+                          <a:effectLst/>
+                          <a:latin typeface="Arial" panose="020B0604020202020204" pitchFamily="34" charset="0"/>
+                          <a:cs typeface="Arial" panose="020B0604020202020204" pitchFamily="34" charset="0"/>
+                        </a:rPr>
+                        <a:t>ref</a:t>
+                      </a:r>
+                      <a:endParaRPr lang="en-US" sz="1400" b="0">
+                        <a:solidFill>
+                          <a:srgbClr val="333333"/>
+                        </a:solidFill>
+                        <a:effectLst/>
+                        <a:latin typeface="Arial" panose="020B0604020202020204" pitchFamily="34" charset="0"/>
+                        <a:cs typeface="Arial" panose="020B0604020202020204" pitchFamily="34" charset="0"/>
+                      </a:endParaRPr>
+                    </a:p>
+                  </a:txBody>
+                  <a:tcPr anchor="ctr"/>
+                </a:tc>
+                <a:tc>
+                  <a:txBody>
+                    <a:bodyPr/>
+                    <a:lstStyle/>
+                    <a:p>
+                      <a:r>
+                        <a:rPr lang="en-US" sz="1400" b="0">
+                          <a:solidFill>
+                            <a:srgbClr val="333333"/>
+                          </a:solidFill>
+                          <a:effectLst/>
+                          <a:latin typeface="Arial" panose="020B0604020202020204" pitchFamily="34" charset="0"/>
+                          <a:cs typeface="Arial" panose="020B0604020202020204" pitchFamily="34" charset="0"/>
+                        </a:rPr>
+                        <a:t>Reference: refers to an interaction defined on another diagram. The frame is drawn to cover the lifelines involved in the interaction. You can define parameters and a return value.</a:t>
+                      </a:r>
+                    </a:p>
+                  </a:txBody>
+                  <a:tcPr anchor="ctr"/>
+                </a:tc>
+                <a:extLst>
+                  <a:ext uri="{0D108BD9-81ED-4DB2-BD59-A6C34878D82A}">
+                    <a16:rowId xmlns:a16="http://schemas.microsoft.com/office/drawing/2014/main" val="3450188483"/>
+                  </a:ext>
+                </a:extLst>
+              </a:tr>
+              <a:tr h="267840">
+                <a:tc>
+                  <a:txBody>
+                    <a:bodyPr/>
+                    <a:lstStyle/>
+                    <a:p>
+                      <a:r>
+                        <a:rPr lang="en-US" sz="1400" b="1" dirty="0" err="1">
+                          <a:solidFill>
+                            <a:srgbClr val="333333"/>
+                          </a:solidFill>
+                          <a:effectLst/>
+                          <a:latin typeface="Arial" panose="020B0604020202020204" pitchFamily="34" charset="0"/>
+                          <a:cs typeface="Arial" panose="020B0604020202020204" pitchFamily="34" charset="0"/>
+                        </a:rPr>
+                        <a:t>sd</a:t>
+                      </a:r>
+                      <a:endParaRPr lang="en-US" sz="1400" b="0" dirty="0">
+                        <a:solidFill>
+                          <a:srgbClr val="333333"/>
+                        </a:solidFill>
+                        <a:effectLst/>
+                        <a:latin typeface="Arial" panose="020B0604020202020204" pitchFamily="34" charset="0"/>
+                        <a:cs typeface="Arial" panose="020B0604020202020204" pitchFamily="34" charset="0"/>
+                      </a:endParaRPr>
+                    </a:p>
+                  </a:txBody>
+                  <a:tcPr anchor="ctr"/>
+                </a:tc>
+                <a:tc>
+                  <a:txBody>
+                    <a:bodyPr/>
+                    <a:lstStyle/>
+                    <a:p>
+                      <a:r>
+                        <a:rPr lang="en-US" sz="1400" b="0" dirty="0">
+                          <a:solidFill>
+                            <a:srgbClr val="333333"/>
+                          </a:solidFill>
+                          <a:effectLst/>
+                          <a:latin typeface="Arial" panose="020B0604020202020204" pitchFamily="34" charset="0"/>
+                          <a:cs typeface="Arial" panose="020B0604020202020204" pitchFamily="34" charset="0"/>
+                        </a:rPr>
+                        <a:t>Sequence diagram: used to surround an entire sequence diagram.</a:t>
+                      </a:r>
+                    </a:p>
+                  </a:txBody>
+                  <a:tcPr anchor="ctr"/>
+                </a:tc>
+                <a:extLst>
+                  <a:ext uri="{0D108BD9-81ED-4DB2-BD59-A6C34878D82A}">
+                    <a16:rowId xmlns:a16="http://schemas.microsoft.com/office/drawing/2014/main" val="4195278904"/>
+                  </a:ext>
+                </a:extLst>
+              </a:tr>
+            </a:tbl>
+          </a:graphicData>
+        </a:graphic>
+      </p:graphicFrame>
+    </p:spTree>
+    <p:extLst>
+      <p:ext uri="{BB962C8B-B14F-4D97-AF65-F5344CB8AC3E}">
+        <p14:creationId xmlns:p14="http://schemas.microsoft.com/office/powerpoint/2010/main" val="3709736981"/>
+      </p:ext>
+    </p:extLst>
+  </p:cSld>
+  <p:clrMapOvr>
+    <a:masterClrMapping/>
+  </p:clrMapOvr>
+</p:sld>
+</file>
+
+<file path=ppt/slides/slide44.xml><?xml version="1.0" encoding="utf-8"?>
+<p:sld xmlns:a="http://schemas.openxmlformats.org/drawingml/2006/main" xmlns:r="http://schemas.openxmlformats.org/officeDocument/2006/relationships" xmlns:p="http://schemas.openxmlformats.org/presentationml/2006/main">
+  <p:cSld>
+    <p:spTree>
+      <p:nvGrpSpPr>
         <p:cNvPr id="1" name=""/>
         <p:cNvGrpSpPr/>
         <p:nvPr/>
@@ -12148,9 +12973,52 @@
           <a:p>
             <a:fld id="{F87CB64D-9286-4B15-A008-6B37D00894E6}" type="slidenum">
               <a:rPr lang="en-US" smtClean="0"/>
-              <a:t>43</a:t>
+              <a:t>44</a:t>
             </a:fld>
             <a:endParaRPr lang="en-US"/>
+          </a:p>
+        </p:txBody>
+      </p:sp>
+      <p:sp>
+        <p:nvSpPr>
+          <p:cNvPr id="3" name="Content Placeholder 2">
+            <a:extLst>
+              <a:ext uri="{FF2B5EF4-FFF2-40B4-BE49-F238E27FC236}">
+                <a16:creationId xmlns:a16="http://schemas.microsoft.com/office/drawing/2014/main" id="{8A475F00-A11C-3CD9-7B89-D4B4637ED66B}"/>
+              </a:ext>
+            </a:extLst>
+          </p:cNvPr>
+          <p:cNvSpPr>
+            <a:spLocks noGrp="1"/>
+          </p:cNvSpPr>
+          <p:nvPr>
+            <p:ph idx="1"/>
+          </p:nvPr>
+        </p:nvSpPr>
+        <p:spPr>
+          <a:xfrm>
+            <a:off x="838201" y="1009651"/>
+            <a:ext cx="11039060" cy="5483224"/>
+          </a:xfrm>
+        </p:spPr>
+        <p:txBody>
+          <a:bodyPr>
+            <a:normAutofit/>
+          </a:bodyPr>
+          <a:lstStyle/>
+          <a:p>
+            <a:pPr algn="just"/>
+            <a:r>
+              <a:rPr lang="en-US" dirty="0"/>
+              <a:t>Sequence Diagram for Modeling Use Case Scenarios</a:t>
+            </a:r>
+          </a:p>
+          <a:p>
+            <a:pPr lvl="1" algn="just"/>
+            <a:r>
+              <a:rPr lang="en-US" dirty="0"/>
+              <a:t>A scenario is one path or flow through a use case that describes a sequence of events that occurs during one particular execution of a system which is often represented by a sequence diagram.</a:t>
+            </a:r>
           </a:p>
         </p:txBody>
       </p:sp>
